--- a/ProveEmpiriche.pptx
+++ b/ProveEmpiriche.pptx
@@ -220,7 +220,7 @@
           <a:p>
             <a:fld id="{BD239709-7612-4DE9-86CD-A9A831260E19}" type="datetimeFigureOut">
               <a:rPr lang="it-IT" smtClean="0"/>
-              <a:t>17/02/2022</a:t>
+              <a:t>03/03/2022</a:t>
             </a:fld>
             <a:endParaRPr lang="it-IT"/>
           </a:p>
@@ -854,7 +854,7 @@
           <a:p>
             <a:r>
               <a:rPr lang="it-IT"/>
-              <a:t>Matrice 64*64 con numeri casuali e 1 canale. 10 pesi diversi da 0</a:t>
+              <a:t>Matrice 64*64 con numeri casuali e 1 canale. 10 pesi diversi da 0( in pratica 3)</a:t>
             </a:r>
           </a:p>
         </p:txBody>
@@ -958,7 +958,7 @@
             </a:pPr>
             <a:r>
               <a:rPr lang="it-IT"/>
-              <a:t>Matrice 64*64 con numeri casuali e 1 canale. 22 pesi diversi da 0.</a:t>
+              <a:t>Matrice 64*64 con numeri casuali e 1 canale. 22 pesi diversi da 0 (in pratica 6).</a:t>
             </a:r>
           </a:p>
           <a:p>
@@ -1242,7 +1242,7 @@
           <a:p>
             <a:r>
               <a:rPr lang="it-IT"/>
-              <a:t>Matrice 128*128 1 canale con 10 pesi diversi da 0.</a:t>
+              <a:t>Matrice 128*128 1 canale con 10 pesi diversi da 0 (in pratica 3).</a:t>
             </a:r>
           </a:p>
         </p:txBody>
@@ -1346,7 +1346,7 @@
             </a:pPr>
             <a:r>
               <a:rPr lang="it-IT"/>
-              <a:t>Matrice 128*128 1 canale con 22 pesi diversi da zero.</a:t>
+              <a:t>Matrice 128*128 1 canale con 22 pesi diversi da zero ( in pratica 6).</a:t>
             </a:r>
           </a:p>
           <a:p>
@@ -1995,7 +1995,7 @@
           <a:p>
             <a:r>
               <a:rPr lang="it-IT"/>
-              <a:t>Risultati matrice 32*32 con gli stessi pesi nulli dei casi precedenti ma per un solo canale e per valori della matrice immagine casuali.(10 pesi diversi da 0)</a:t>
+              <a:t>Risultati matrice 32*32 con dieci ipotetici filtri nulli ma, essendo per un solo canale sono solo 3 su 10 e per valori della matrice immagine casuali.(10 pesi diversi da 0)</a:t>
             </a:r>
           </a:p>
         </p:txBody>
@@ -2099,7 +2099,7 @@
             </a:pPr>
             <a:r>
               <a:rPr lang="it-IT"/>
-              <a:t>Risultati matrice 32*32 ma per un solo canale e per valori della matrice immagine casuali.(22 pesi diversi da 0)</a:t>
+              <a:t>Risultati matrice 32*32 ma per un solo canale e per valori della matrice immagine casuali.(22 pesi diversi da 0, di conseguenza solo quelli del primo canale cioe 6)</a:t>
             </a:r>
           </a:p>
           <a:p>
@@ -2290,7 +2290,7 @@
           <a:p>
             <a:fld id="{5328AE8A-B1B4-41E0-B512-5B848D0A92FA}" type="datetimeFigureOut">
               <a:rPr lang="it-IT" smtClean="0"/>
-              <a:t>17/02/2022</a:t>
+              <a:t>03/03/2022</a:t>
             </a:fld>
             <a:endParaRPr lang="it-IT"/>
           </a:p>
@@ -2488,7 +2488,7 @@
           <a:p>
             <a:fld id="{5328AE8A-B1B4-41E0-B512-5B848D0A92FA}" type="datetimeFigureOut">
               <a:rPr lang="it-IT" smtClean="0"/>
-              <a:t>17/02/2022</a:t>
+              <a:t>03/03/2022</a:t>
             </a:fld>
             <a:endParaRPr lang="it-IT"/>
           </a:p>
@@ -2696,7 +2696,7 @@
           <a:p>
             <a:fld id="{5328AE8A-B1B4-41E0-B512-5B848D0A92FA}" type="datetimeFigureOut">
               <a:rPr lang="it-IT" smtClean="0"/>
-              <a:t>17/02/2022</a:t>
+              <a:t>03/03/2022</a:t>
             </a:fld>
             <a:endParaRPr lang="it-IT"/>
           </a:p>
@@ -2894,7 +2894,7 @@
           <a:p>
             <a:fld id="{5328AE8A-B1B4-41E0-B512-5B848D0A92FA}" type="datetimeFigureOut">
               <a:rPr lang="it-IT" smtClean="0"/>
-              <a:t>17/02/2022</a:t>
+              <a:t>03/03/2022</a:t>
             </a:fld>
             <a:endParaRPr lang="it-IT"/>
           </a:p>
@@ -3169,7 +3169,7 @@
           <a:p>
             <a:fld id="{5328AE8A-B1B4-41E0-B512-5B848D0A92FA}" type="datetimeFigureOut">
               <a:rPr lang="it-IT" smtClean="0"/>
-              <a:t>17/02/2022</a:t>
+              <a:t>03/03/2022</a:t>
             </a:fld>
             <a:endParaRPr lang="it-IT"/>
           </a:p>
@@ -3434,7 +3434,7 @@
           <a:p>
             <a:fld id="{5328AE8A-B1B4-41E0-B512-5B848D0A92FA}" type="datetimeFigureOut">
               <a:rPr lang="it-IT" smtClean="0"/>
-              <a:t>17/02/2022</a:t>
+              <a:t>03/03/2022</a:t>
             </a:fld>
             <a:endParaRPr lang="it-IT"/>
           </a:p>
@@ -3846,7 +3846,7 @@
           <a:p>
             <a:fld id="{5328AE8A-B1B4-41E0-B512-5B848D0A92FA}" type="datetimeFigureOut">
               <a:rPr lang="it-IT" smtClean="0"/>
-              <a:t>17/02/2022</a:t>
+              <a:t>03/03/2022</a:t>
             </a:fld>
             <a:endParaRPr lang="it-IT"/>
           </a:p>
@@ -3987,7 +3987,7 @@
           <a:p>
             <a:fld id="{5328AE8A-B1B4-41E0-B512-5B848D0A92FA}" type="datetimeFigureOut">
               <a:rPr lang="it-IT" smtClean="0"/>
-              <a:t>17/02/2022</a:t>
+              <a:t>03/03/2022</a:t>
             </a:fld>
             <a:endParaRPr lang="it-IT"/>
           </a:p>
@@ -4100,7 +4100,7 @@
           <a:p>
             <a:fld id="{5328AE8A-B1B4-41E0-B512-5B848D0A92FA}" type="datetimeFigureOut">
               <a:rPr lang="it-IT" smtClean="0"/>
-              <a:t>17/02/2022</a:t>
+              <a:t>03/03/2022</a:t>
             </a:fld>
             <a:endParaRPr lang="it-IT"/>
           </a:p>
@@ -4411,7 +4411,7 @@
           <a:p>
             <a:fld id="{5328AE8A-B1B4-41E0-B512-5B848D0A92FA}" type="datetimeFigureOut">
               <a:rPr lang="it-IT" smtClean="0"/>
-              <a:t>17/02/2022</a:t>
+              <a:t>03/03/2022</a:t>
             </a:fld>
             <a:endParaRPr lang="it-IT"/>
           </a:p>
@@ -4699,7 +4699,7 @@
           <a:p>
             <a:fld id="{5328AE8A-B1B4-41E0-B512-5B848D0A92FA}" type="datetimeFigureOut">
               <a:rPr lang="it-IT" smtClean="0"/>
-              <a:t>17/02/2022</a:t>
+              <a:t>03/03/2022</a:t>
             </a:fld>
             <a:endParaRPr lang="it-IT"/>
           </a:p>
@@ -4940,7 +4940,7 @@
           <a:p>
             <a:fld id="{5328AE8A-B1B4-41E0-B512-5B848D0A92FA}" type="datetimeFigureOut">
               <a:rPr lang="it-IT" smtClean="0"/>
-              <a:t>17/02/2022</a:t>
+              <a:t>03/03/2022</a:t>
             </a:fld>
             <a:endParaRPr lang="it-IT"/>
           </a:p>
